--- a/src/main/java/com/ac/day20190228/20190228.pptx
+++ b/src/main/java/com/ac/day20190228/20190228.pptx
@@ -272,7 +272,7 @@
           <a:p>
             <a:fld id="{8EFAD526-FDB9-46BC-83A8-CD6DFC0F7FFF}" type="datetimeFigureOut">
               <a:rPr lang="zh-CN" altLang="en-US" smtClean="0"/>
-              <a:t>2019/2/28</a:t>
+              <a:t>2019/3/9</a:t>
             </a:fld>
             <a:endParaRPr lang="zh-CN" altLang="en-US"/>
           </a:p>
@@ -470,7 +470,7 @@
           <a:p>
             <a:fld id="{8EFAD526-FDB9-46BC-83A8-CD6DFC0F7FFF}" type="datetimeFigureOut">
               <a:rPr lang="zh-CN" altLang="en-US" smtClean="0"/>
-              <a:t>2019/2/28</a:t>
+              <a:t>2019/3/9</a:t>
             </a:fld>
             <a:endParaRPr lang="zh-CN" altLang="en-US"/>
           </a:p>
@@ -678,7 +678,7 @@
           <a:p>
             <a:fld id="{8EFAD526-FDB9-46BC-83A8-CD6DFC0F7FFF}" type="datetimeFigureOut">
               <a:rPr lang="zh-CN" altLang="en-US" smtClean="0"/>
-              <a:t>2019/2/28</a:t>
+              <a:t>2019/3/9</a:t>
             </a:fld>
             <a:endParaRPr lang="zh-CN" altLang="en-US"/>
           </a:p>
@@ -876,7 +876,7 @@
           <a:p>
             <a:fld id="{8EFAD526-FDB9-46BC-83A8-CD6DFC0F7FFF}" type="datetimeFigureOut">
               <a:rPr lang="zh-CN" altLang="en-US" smtClean="0"/>
-              <a:t>2019/2/28</a:t>
+              <a:t>2019/3/9</a:t>
             </a:fld>
             <a:endParaRPr lang="zh-CN" altLang="en-US"/>
           </a:p>
@@ -1151,7 +1151,7 @@
           <a:p>
             <a:fld id="{8EFAD526-FDB9-46BC-83A8-CD6DFC0F7FFF}" type="datetimeFigureOut">
               <a:rPr lang="zh-CN" altLang="en-US" smtClean="0"/>
-              <a:t>2019/2/28</a:t>
+              <a:t>2019/3/9</a:t>
             </a:fld>
             <a:endParaRPr lang="zh-CN" altLang="en-US"/>
           </a:p>
@@ -1416,7 +1416,7 @@
           <a:p>
             <a:fld id="{8EFAD526-FDB9-46BC-83A8-CD6DFC0F7FFF}" type="datetimeFigureOut">
               <a:rPr lang="zh-CN" altLang="en-US" smtClean="0"/>
-              <a:t>2019/2/28</a:t>
+              <a:t>2019/3/9</a:t>
             </a:fld>
             <a:endParaRPr lang="zh-CN" altLang="en-US"/>
           </a:p>
@@ -1828,7 +1828,7 @@
           <a:p>
             <a:fld id="{8EFAD526-FDB9-46BC-83A8-CD6DFC0F7FFF}" type="datetimeFigureOut">
               <a:rPr lang="zh-CN" altLang="en-US" smtClean="0"/>
-              <a:t>2019/2/28</a:t>
+              <a:t>2019/3/9</a:t>
             </a:fld>
             <a:endParaRPr lang="zh-CN" altLang="en-US"/>
           </a:p>
@@ -1969,7 +1969,7 @@
           <a:p>
             <a:fld id="{8EFAD526-FDB9-46BC-83A8-CD6DFC0F7FFF}" type="datetimeFigureOut">
               <a:rPr lang="zh-CN" altLang="en-US" smtClean="0"/>
-              <a:t>2019/2/28</a:t>
+              <a:t>2019/3/9</a:t>
             </a:fld>
             <a:endParaRPr lang="zh-CN" altLang="en-US"/>
           </a:p>
@@ -2082,7 +2082,7 @@
           <a:p>
             <a:fld id="{8EFAD526-FDB9-46BC-83A8-CD6DFC0F7FFF}" type="datetimeFigureOut">
               <a:rPr lang="zh-CN" altLang="en-US" smtClean="0"/>
-              <a:t>2019/2/28</a:t>
+              <a:t>2019/3/9</a:t>
             </a:fld>
             <a:endParaRPr lang="zh-CN" altLang="en-US"/>
           </a:p>
@@ -2393,7 +2393,7 @@
           <a:p>
             <a:fld id="{8EFAD526-FDB9-46BC-83A8-CD6DFC0F7FFF}" type="datetimeFigureOut">
               <a:rPr lang="zh-CN" altLang="en-US" smtClean="0"/>
-              <a:t>2019/2/28</a:t>
+              <a:t>2019/3/9</a:t>
             </a:fld>
             <a:endParaRPr lang="zh-CN" altLang="en-US"/>
           </a:p>
@@ -2681,7 +2681,7 @@
           <a:p>
             <a:fld id="{8EFAD526-FDB9-46BC-83A8-CD6DFC0F7FFF}" type="datetimeFigureOut">
               <a:rPr lang="zh-CN" altLang="en-US" smtClean="0"/>
-              <a:t>2019/2/28</a:t>
+              <a:t>2019/3/9</a:t>
             </a:fld>
             <a:endParaRPr lang="zh-CN" altLang="en-US"/>
           </a:p>
@@ -2922,7 +2922,7 @@
           <a:p>
             <a:fld id="{8EFAD526-FDB9-46BC-83A8-CD6DFC0F7FFF}" type="datetimeFigureOut">
               <a:rPr lang="zh-CN" altLang="en-US" smtClean="0"/>
-              <a:t>2019/2/28</a:t>
+              <a:t>2019/3/9</a:t>
             </a:fld>
             <a:endParaRPr lang="zh-CN" altLang="en-US"/>
           </a:p>
@@ -3701,7 +3701,7 @@
             <a:avLst/>
           </a:prstGeom>
           <a:ln w="19050">
-            <a:prstDash val="solid"/>
+            <a:prstDash val="dash"/>
           </a:ln>
         </p:spPr>
         <p:style>
@@ -4062,7 +4062,7 @@
             <a:avLst/>
           </a:prstGeom>
           <a:ln w="19050">
-            <a:prstDash val="solid"/>
+            <a:prstDash val="dash"/>
           </a:ln>
         </p:spPr>
         <p:style>
@@ -4289,7 +4289,7 @@
             </a:avLst>
           </a:prstGeom>
           <a:ln w="19050">
-            <a:prstDash val="solid"/>
+            <a:prstDash val="dash"/>
           </a:ln>
         </p:spPr>
         <p:style>
@@ -4380,7 +4380,7 @@
             </a:avLst>
           </a:prstGeom>
           <a:ln w="19050">
-            <a:prstDash val="solid"/>
+            <a:prstDash val="dash"/>
           </a:ln>
         </p:spPr>
         <p:style>
